--- a/Bao cao 1-5.pptx
+++ b/Bao cao 1-5.pptx
@@ -23,37 +23,37 @@
   <p:notesSz cx="6858000" cy="9144000"/>
   <p:embeddedFontLst>
     <p:embeddedFont>
-      <p:font typeface="Hammersmith One" panose="020B0604020202020204" charset="0"/>
+      <p:font typeface="Candara" panose="020E0502030303020204" pitchFamily="34" charset="0"/>
       <p:regular r:id="rId13"/>
+      <p:bold r:id="rId14"/>
+      <p:italic r:id="rId15"/>
+      <p:boldItalic r:id="rId16"/>
     </p:embeddedFont>
     <p:embeddedFont>
-      <p:font typeface="Candara" panose="020E0502030303020204" pitchFamily="34" charset="0"/>
-      <p:regular r:id="rId14"/>
-      <p:bold r:id="rId15"/>
-      <p:italic r:id="rId16"/>
-      <p:boldItalic r:id="rId17"/>
+      <p:font typeface="Hammersmith One" panose="020B0604020202020204" charset="0"/>
+      <p:regular r:id="rId17"/>
     </p:embeddedFont>
     <p:embeddedFont>
-      <p:font typeface="Lato" panose="020F0502020204030203" pitchFamily="34" charset="0"/>
+      <p:font typeface="Lato" panose="020B0604020202020204" charset="0"/>
       <p:regular r:id="rId18"/>
       <p:bold r:id="rId19"/>
       <p:italic r:id="rId20"/>
     </p:embeddedFont>
     <p:embeddedFont>
-      <p:font typeface="Manjari" panose="020B0604020202020204" charset="0"/>
+      <p:font typeface="Bungee" panose="020B0604020202020204" charset="0"/>
       <p:regular r:id="rId21"/>
-      <p:bold r:id="rId22"/>
     </p:embeddedFont>
     <p:embeddedFont>
       <p:font typeface="Ubuntu" panose="020B0604020202020204" charset="0"/>
-      <p:regular r:id="rId23"/>
-      <p:bold r:id="rId24"/>
-      <p:italic r:id="rId25"/>
-      <p:boldItalic r:id="rId26"/>
+      <p:regular r:id="rId22"/>
+      <p:bold r:id="rId23"/>
+      <p:italic r:id="rId24"/>
+      <p:boldItalic r:id="rId25"/>
     </p:embeddedFont>
     <p:embeddedFont>
-      <p:font typeface="Bungee" pitchFamily="2" charset="0"/>
-      <p:regular r:id="rId27"/>
+      <p:font typeface="Manjari" panose="020B0604020202020204" charset="0"/>
+      <p:regular r:id="rId26"/>
+      <p:bold r:id="rId27"/>
     </p:embeddedFont>
   </p:embeddedFontLst>
   <p:defaultTextStyle>
@@ -33823,7 +33823,7 @@
         <p:fade thruBlk="1"/>
       </p:transition>
     </mc:Choice>
-    <mc:Fallback xmlns:ahyp="http://schemas.microsoft.com/office/drawing/2018/hyperlinkcolor" xmlns:p15="http://schemas.microsoft.com/office/powerpoint/2012/main" xmlns:com="http://schemas.openxmlformats.org/drawingml/2006/compatibility" xmlns:pvml="urn:schemas-microsoft-com:office:powerpoint" xmlns:v="urn:schemas-microsoft-com:vml" xmlns:o="urn:schemas-microsoft-com:office:office" xmlns:dgm="http://schemas.openxmlformats.org/drawingml/2006/diagram" xmlns:c="http://schemas.openxmlformats.org/drawingml/2006/chart" xmlns:mv="urn:schemas-microsoft-com:mac:vml" xmlns="">
+    <mc:Fallback xmlns="" xmlns:mv="urn:schemas-microsoft-com:mac:vml" xmlns:c="http://schemas.openxmlformats.org/drawingml/2006/chart" xmlns:dgm="http://schemas.openxmlformats.org/drawingml/2006/diagram" xmlns:o="urn:schemas-microsoft-com:office:office" xmlns:v="urn:schemas-microsoft-com:vml" xmlns:pvml="urn:schemas-microsoft-com:office:powerpoint" xmlns:com="http://schemas.openxmlformats.org/drawingml/2006/compatibility" xmlns:p15="http://schemas.microsoft.com/office/powerpoint/2012/main" xmlns:ahyp="http://schemas.microsoft.com/office/drawing/2018/hyperlinkcolor">
       <p:transition spd="slow">
         <p:fade/>
       </p:transition>
@@ -35837,7 +35837,7 @@
                 <a:hlinkClick r:id="" action="ppaction://noaction">
                   <a:extLst>
                     <a:ext uri="{A12FA001-AC4F-418D-AE19-62706E023703}">
-                      <ahyp:hlinkClr xmlns:ahyp="http://schemas.microsoft.com/office/drawing/2018/hyperlinkcolor" xmlns:p15="http://schemas.microsoft.com/office/powerpoint/2012/main" xmlns:p14="http://schemas.microsoft.com/office/powerpoint/2010/main" xmlns:com="http://schemas.openxmlformats.org/drawingml/2006/compatibility" xmlns:pvml="urn:schemas-microsoft-com:office:powerpoint" xmlns:v="urn:schemas-microsoft-com:vml" xmlns:o="urn:schemas-microsoft-com:office:office" xmlns:dgm="http://schemas.openxmlformats.org/drawingml/2006/diagram" xmlns:c="http://schemas.openxmlformats.org/drawingml/2006/chart" xmlns:mv="urn:schemas-microsoft-com:mac:vml" xmlns:mc="http://schemas.openxmlformats.org/markup-compatibility/2006" xmlns="" val="tx"/>
+                      <ahyp:hlinkClr xmlns="" xmlns:mc="http://schemas.openxmlformats.org/markup-compatibility/2006" xmlns:mv="urn:schemas-microsoft-com:mac:vml" xmlns:c="http://schemas.openxmlformats.org/drawingml/2006/chart" xmlns:dgm="http://schemas.openxmlformats.org/drawingml/2006/diagram" xmlns:o="urn:schemas-microsoft-com:office:office" xmlns:v="urn:schemas-microsoft-com:vml" xmlns:pvml="urn:schemas-microsoft-com:office:powerpoint" xmlns:com="http://schemas.openxmlformats.org/drawingml/2006/compatibility" xmlns:p14="http://schemas.microsoft.com/office/powerpoint/2010/main" xmlns:p15="http://schemas.microsoft.com/office/powerpoint/2012/main" xmlns:ahyp="http://schemas.microsoft.com/office/drawing/2018/hyperlinkcolor" val="tx"/>
                     </a:ext>
                   </a:extLst>
                 </a:hlinkClick>
@@ -37953,7 +37953,37 @@
                   </a:schemeClr>
                 </a:solidFill>
               </a:rPr>
-              <a:t> file html :</a:t>
+              <a:t> file </a:t>
+            </a:r>
+            <a:r>
+              <a:rPr lang="en-US" sz="2000" b="1" dirty="0" err="1" smtClean="0">
+                <a:solidFill>
+                  <a:schemeClr val="accent3">
+                    <a:lumMod val="75000"/>
+                  </a:schemeClr>
+                </a:solidFill>
+              </a:rPr>
+              <a:t>css</a:t>
+            </a:r>
+            <a:r>
+              <a:rPr lang="en-US" sz="2000" b="1" dirty="0" smtClean="0">
+                <a:solidFill>
+                  <a:schemeClr val="accent3">
+                    <a:lumMod val="75000"/>
+                  </a:schemeClr>
+                </a:solidFill>
+              </a:rPr>
+              <a:t> </a:t>
+            </a:r>
+            <a:r>
+              <a:rPr lang="en-US" sz="2000" b="1" dirty="0" smtClean="0">
+                <a:solidFill>
+                  <a:schemeClr val="accent3">
+                    <a:lumMod val="75000"/>
+                  </a:schemeClr>
+                </a:solidFill>
+              </a:rPr>
+              <a:t>:</a:t>
             </a:r>
           </a:p>
           <a:p>
